--- a/doc/advanced/slides/lesson_07.pptx
+++ b/doc/advanced/slides/lesson_07.pptx
@@ -220,7 +220,7 @@
           <a:p>
             <a:fld id="{9B5B52BA-3295-0343-9E28-A260A811DD10}" type="datetimeFigureOut">
               <a:rPr lang="en-US" smtClean="0"/>
-              <a:t>9/20/20</a:t>
+              <a:t>10/3/21</a:t>
             </a:fld>
             <a:endParaRPr lang="en-US"/>
           </a:p>
@@ -868,7 +868,7 @@
           <a:p>
             <a:fld id="{04F1D4A2-813C-F741-B481-C92B3A596030}" type="datetimeFigureOut">
               <a:rPr lang="en-US" smtClean="0"/>
-              <a:t>9/20/20</a:t>
+              <a:t>10/3/21</a:t>
             </a:fld>
             <a:endParaRPr lang="en-US"/>
           </a:p>
@@ -1036,7 +1036,7 @@
           <a:p>
             <a:fld id="{04F1D4A2-813C-F741-B481-C92B3A596030}" type="datetimeFigureOut">
               <a:rPr lang="en-US" smtClean="0"/>
-              <a:t>9/20/20</a:t>
+              <a:t>10/3/21</a:t>
             </a:fld>
             <a:endParaRPr lang="en-US"/>
           </a:p>
@@ -1214,7 +1214,7 @@
           <a:p>
             <a:fld id="{04F1D4A2-813C-F741-B481-C92B3A596030}" type="datetimeFigureOut">
               <a:rPr lang="en-US" smtClean="0"/>
-              <a:t>9/20/20</a:t>
+              <a:t>10/3/21</a:t>
             </a:fld>
             <a:endParaRPr lang="en-US"/>
           </a:p>
@@ -1393,7 +1393,7 @@
           <a:p>
             <a:fld id="{04F1D4A2-813C-F741-B481-C92B3A596030}" type="datetimeFigureOut">
               <a:rPr lang="en-US" smtClean="0"/>
-              <a:t>9/20/20</a:t>
+              <a:t>10/3/21</a:t>
             </a:fld>
             <a:endParaRPr lang="en-US"/>
           </a:p>
@@ -1638,7 +1638,7 @@
           <a:p>
             <a:fld id="{04F1D4A2-813C-F741-B481-C92B3A596030}" type="datetimeFigureOut">
               <a:rPr lang="en-US" smtClean="0"/>
-              <a:t>9/20/20</a:t>
+              <a:t>10/3/21</a:t>
             </a:fld>
             <a:endParaRPr lang="en-US"/>
           </a:p>
@@ -1867,7 +1867,7 @@
           <a:p>
             <a:fld id="{04F1D4A2-813C-F741-B481-C92B3A596030}" type="datetimeFigureOut">
               <a:rPr lang="en-US" smtClean="0"/>
-              <a:t>9/20/20</a:t>
+              <a:t>10/3/21</a:t>
             </a:fld>
             <a:endParaRPr lang="en-US"/>
           </a:p>
@@ -2231,7 +2231,7 @@
           <a:p>
             <a:fld id="{04F1D4A2-813C-F741-B481-C92B3A596030}" type="datetimeFigureOut">
               <a:rPr lang="en-US" smtClean="0"/>
-              <a:t>9/20/20</a:t>
+              <a:t>10/3/21</a:t>
             </a:fld>
             <a:endParaRPr lang="en-US"/>
           </a:p>
@@ -2348,7 +2348,7 @@
           <a:p>
             <a:fld id="{04F1D4A2-813C-F741-B481-C92B3A596030}" type="datetimeFigureOut">
               <a:rPr lang="en-US" smtClean="0"/>
-              <a:t>9/20/20</a:t>
+              <a:t>10/3/21</a:t>
             </a:fld>
             <a:endParaRPr lang="en-US"/>
           </a:p>
@@ -2443,7 +2443,7 @@
           <a:p>
             <a:fld id="{04F1D4A2-813C-F741-B481-C92B3A596030}" type="datetimeFigureOut">
               <a:rPr lang="en-US" smtClean="0"/>
-              <a:t>9/20/20</a:t>
+              <a:t>10/3/21</a:t>
             </a:fld>
             <a:endParaRPr lang="en-US"/>
           </a:p>
@@ -2718,7 +2718,7 @@
           <a:p>
             <a:fld id="{04F1D4A2-813C-F741-B481-C92B3A596030}" type="datetimeFigureOut">
               <a:rPr lang="en-US" smtClean="0"/>
-              <a:t>9/20/20</a:t>
+              <a:t>10/3/21</a:t>
             </a:fld>
             <a:endParaRPr lang="en-US"/>
           </a:p>
@@ -2970,7 +2970,7 @@
           <a:p>
             <a:fld id="{04F1D4A2-813C-F741-B481-C92B3A596030}" type="datetimeFigureOut">
               <a:rPr lang="en-US" smtClean="0"/>
-              <a:t>9/20/20</a:t>
+              <a:t>10/3/21</a:t>
             </a:fld>
             <a:endParaRPr lang="en-US"/>
           </a:p>
@@ -3181,7 +3181,7 @@
           <a:p>
             <a:fld id="{04F1D4A2-813C-F741-B481-C92B3A596030}" type="datetimeFigureOut">
               <a:rPr lang="en-US" smtClean="0"/>
-              <a:t>9/20/20</a:t>
+              <a:t>10/3/21</a:t>
             </a:fld>
             <a:endParaRPr lang="en-US"/>
           </a:p>
@@ -3611,15 +3611,7 @@
             <a:pPr algn="l"/>
             <a:r>
               <a:rPr lang="en-US" dirty="0"/>
-              <a:t>Enterprise </a:t>
-            </a:r>
-            <a:r>
-              <a:rPr lang="en-US" dirty="0" err="1"/>
-              <a:t>Programmering</a:t>
-            </a:r>
-            <a:r>
-              <a:rPr lang="en-US" dirty="0"/>
-              <a:t> 2</a:t>
+              <a:t>Enterprise Programming 2</a:t>
             </a:r>
             <a:br>
               <a:rPr lang="en-US" dirty="0"/>
@@ -3666,16 +3658,12 @@
           <a:p>
             <a:pPr algn="r"/>
             <a:r>
-              <a:rPr lang="en-US"/>
-              <a:t>Prof. </a:t>
-            </a:r>
-            <a:r>
-              <a:rPr lang="en-US" dirty="0"/>
-              <a:t>Andrea </a:t>
+              <a:rPr lang="en-US" dirty="0"/>
+              <a:t>Bogdan </a:t>
             </a:r>
             <a:r>
               <a:rPr lang="en-US" dirty="0" err="1"/>
-              <a:t>Arcuri</a:t>
+              <a:t>Marculescu</a:t>
             </a:r>
             <a:endParaRPr lang="en-US" dirty="0"/>
           </a:p>
